--- a/document/진행사항 1.pptx
+++ b/document/진행사항 1.pptx
@@ -499,6 +499,90 @@
     </a:lvl9pPr>
   </p:notesStyle>
 </p:notesMaster>
+</file>
+
+<file path=ppt/notesSlides/notesSlide1.xml><?xml version="1.0" encoding="utf-8"?>
+<p:notes xmlns:a="http://schemas.openxmlformats.org/drawingml/2006/main" xmlns:r="http://schemas.openxmlformats.org/officeDocument/2006/relationships" xmlns:p="http://schemas.openxmlformats.org/presentationml/2006/main">
+  <p:cSld>
+    <p:spTree>
+      <p:nvGrpSpPr>
+        <p:cNvPr id="1" name=""/>
+        <p:cNvGrpSpPr/>
+        <p:nvPr/>
+      </p:nvGrpSpPr>
+      <p:grpSpPr>
+        <a:xfrm>
+          <a:off x="0" y="0"/>
+          <a:ext cx="0" cy="0"/>
+          <a:chOff x="0" y="0"/>
+          <a:chExt cx="0" cy="0"/>
+        </a:xfrm>
+      </p:grpSpPr>
+      <p:sp>
+        <p:nvSpPr>
+          <p:cNvPr id="2" name="슬라이드 이미지 개체 틀 1"/>
+          <p:cNvSpPr>
+            <a:spLocks noGrp="1" noRot="1" noChangeAspect="1"/>
+          </p:cNvSpPr>
+          <p:nvPr>
+            <p:ph type="sldImg"/>
+          </p:nvPr>
+        </p:nvSpPr>
+        <p:spPr/>
+      </p:sp>
+      <p:sp>
+        <p:nvSpPr>
+          <p:cNvPr id="3" name="슬라이드 노트 개체 틀 2"/>
+          <p:cNvSpPr>
+            <a:spLocks noGrp="1"/>
+          </p:cNvSpPr>
+          <p:nvPr>
+            <p:ph type="body" idx="1"/>
+          </p:nvPr>
+        </p:nvSpPr>
+        <p:spPr/>
+        <p:txBody>
+          <a:bodyPr/>
+          <a:lstStyle/>
+          <a:p>
+            <a:endParaRPr lang="ko-KR" altLang="en-US" dirty="0"/>
+          </a:p>
+        </p:txBody>
+      </p:sp>
+      <p:sp>
+        <p:nvSpPr>
+          <p:cNvPr id="4" name="슬라이드 번호 개체 틀 3"/>
+          <p:cNvSpPr>
+            <a:spLocks noGrp="1"/>
+          </p:cNvSpPr>
+          <p:nvPr>
+            <p:ph type="sldNum" sz="quarter" idx="5"/>
+          </p:nvPr>
+        </p:nvSpPr>
+        <p:spPr/>
+        <p:txBody>
+          <a:bodyPr/>
+          <a:lstStyle/>
+          <a:p>
+            <a:fld id="{D317B73D-846C-4662-A050-AFB87189A20F}" type="slidenum">
+              <a:rPr lang="ko-KR" altLang="en-US" smtClean="0"/>
+              <a:t>8</a:t>
+            </a:fld>
+            <a:endParaRPr lang="ko-KR" altLang="en-US"/>
+          </a:p>
+        </p:txBody>
+      </p:sp>
+    </p:spTree>
+    <p:extLst>
+      <p:ext uri="{BB962C8B-B14F-4D97-AF65-F5344CB8AC3E}">
+        <p14:creationId xmlns:p14="http://schemas.microsoft.com/office/powerpoint/2010/main" val="4234753487"/>
+      </p:ext>
+    </p:extLst>
+  </p:cSld>
+  <p:clrMapOvr>
+    <a:masterClrMapping/>
+  </p:clrMapOvr>
+</p:notes>
 </file>
 
 <file path=ppt/slideLayouts/slideLayout1.xml><?xml version="1.0" encoding="utf-8"?>
@@ -5496,6 +5580,19 @@
           </a:p>
           <a:p>
             <a:pPr algn="ctr"/>
+            <a:endParaRPr lang="en-US" altLang="ko-KR" spc="-150" dirty="0">
+              <a:solidFill>
+                <a:schemeClr val="tx1">
+                  <a:lumMod val="75000"/>
+                  <a:lumOff val="25000"/>
+                </a:schemeClr>
+              </a:solidFill>
+              <a:latin typeface="+mj-ea"/>
+              <a:ea typeface="+mj-ea"/>
+            </a:endParaRPr>
+          </a:p>
+          <a:p>
+            <a:pPr algn="ctr"/>
             <a:r>
               <a:rPr lang="ko-KR" altLang="en-US" spc="-150" dirty="0">
                 <a:solidFill>
@@ -5690,7 +5787,72 @@
           <a:lstStyle/>
           <a:p>
             <a:pPr algn="ctr"/>
-            <a:endParaRPr lang="en-US" altLang="ko-KR" sz="1800" spc="-150" dirty="0">
+            <a:r>
+              <a:rPr lang="en-US" altLang="ko-KR" sz="1800" spc="-150" dirty="0">
+                <a:solidFill>
+                  <a:schemeClr val="tx1">
+                    <a:lumMod val="75000"/>
+                    <a:lumOff val="25000"/>
+                  </a:schemeClr>
+                </a:solidFill>
+                <a:latin typeface="+mj-ea"/>
+                <a:ea typeface="+mj-ea"/>
+              </a:rPr>
+              <a:t>CNN </a:t>
+            </a:r>
+            <a:r>
+              <a:rPr lang="ko-KR" altLang="en-US" sz="1800" spc="-150" dirty="0">
+                <a:solidFill>
+                  <a:schemeClr val="tx1">
+                    <a:lumMod val="75000"/>
+                    <a:lumOff val="25000"/>
+                  </a:schemeClr>
+                </a:solidFill>
+                <a:latin typeface="+mj-ea"/>
+                <a:ea typeface="+mj-ea"/>
+              </a:rPr>
+              <a:t>및 </a:t>
+            </a:r>
+            <a:r>
+              <a:rPr lang="en-US" altLang="ko-KR" sz="1800" spc="-150" dirty="0">
+                <a:solidFill>
+                  <a:schemeClr val="tx1">
+                    <a:lumMod val="75000"/>
+                    <a:lumOff val="25000"/>
+                  </a:schemeClr>
+                </a:solidFill>
+                <a:latin typeface="+mj-ea"/>
+                <a:ea typeface="+mj-ea"/>
+              </a:rPr>
+              <a:t>RNN</a:t>
+            </a:r>
+            <a:r>
+              <a:rPr lang="en-US" altLang="ko-KR" spc="-150" dirty="0">
+                <a:solidFill>
+                  <a:schemeClr val="tx1">
+                    <a:lumMod val="75000"/>
+                    <a:lumOff val="25000"/>
+                  </a:schemeClr>
+                </a:solidFill>
+                <a:latin typeface="+mj-ea"/>
+                <a:ea typeface="+mj-ea"/>
+              </a:rPr>
+              <a:t> </a:t>
+            </a:r>
+            <a:r>
+              <a:rPr lang="ko-KR" altLang="en-US" spc="-150" dirty="0">
+                <a:solidFill>
+                  <a:schemeClr val="tx1">
+                    <a:lumMod val="75000"/>
+                    <a:lumOff val="25000"/>
+                  </a:schemeClr>
+                </a:solidFill>
+                <a:latin typeface="+mj-ea"/>
+                <a:ea typeface="+mj-ea"/>
+              </a:rPr>
+              <a:t>기반으로</a:t>
+            </a:r>
+            <a:endParaRPr lang="en-US" altLang="ko-KR" spc="-150" dirty="0">
               <a:solidFill>
                 <a:schemeClr val="tx1">
                   <a:lumMod val="75000"/>
@@ -5700,6 +5862,84 @@
               <a:latin typeface="+mj-ea"/>
               <a:ea typeface="+mj-ea"/>
             </a:endParaRPr>
+          </a:p>
+          <a:p>
+            <a:pPr algn="ctr"/>
+            <a:r>
+              <a:rPr lang="ko-KR" altLang="en-US" spc="-150" dirty="0">
+                <a:solidFill>
+                  <a:schemeClr val="tx1">
+                    <a:lumMod val="75000"/>
+                    <a:lumOff val="25000"/>
+                  </a:schemeClr>
+                </a:solidFill>
+                <a:latin typeface="+mj-ea"/>
+                <a:ea typeface="+mj-ea"/>
+              </a:rPr>
+              <a:t>결합도와 응집도를 바탕으로 코드의 복잡도 측정</a:t>
+            </a:r>
+            <a:endParaRPr lang="en-US" altLang="ko-KR" spc="-150" dirty="0">
+              <a:solidFill>
+                <a:schemeClr val="tx1">
+                  <a:lumMod val="75000"/>
+                  <a:lumOff val="25000"/>
+                </a:schemeClr>
+              </a:solidFill>
+              <a:latin typeface="+mj-ea"/>
+              <a:ea typeface="+mj-ea"/>
+            </a:endParaRPr>
+          </a:p>
+        </p:txBody>
+      </p:sp>
+      <p:sp>
+        <p:nvSpPr>
+          <p:cNvPr id="5" name="화살표: 오른쪽 4">
+            <a:extLst>
+              <a:ext uri="{FF2B5EF4-FFF2-40B4-BE49-F238E27FC236}">
+                <a16:creationId xmlns:a16="http://schemas.microsoft.com/office/drawing/2014/main" id="{649874B3-DAE1-4F48-B31A-24E8BD7AED05}"/>
+              </a:ext>
+            </a:extLst>
+          </p:cNvPr>
+          <p:cNvSpPr/>
+          <p:nvPr/>
+        </p:nvSpPr>
+        <p:spPr>
+          <a:xfrm>
+            <a:off x="5334000" y="3981450"/>
+            <a:ext cx="1057634" cy="523875"/>
+          </a:xfrm>
+          <a:prstGeom prst="rightArrow">
+            <a:avLst/>
+          </a:prstGeom>
+          <a:solidFill>
+            <a:schemeClr val="accent2"/>
+          </a:solidFill>
+          <a:ln>
+            <a:noFill/>
+          </a:ln>
+        </p:spPr>
+        <p:style>
+          <a:lnRef idx="2">
+            <a:schemeClr val="accent1">
+              <a:shade val="50000"/>
+            </a:schemeClr>
+          </a:lnRef>
+          <a:fillRef idx="1">
+            <a:schemeClr val="accent1"/>
+          </a:fillRef>
+          <a:effectRef idx="0">
+            <a:schemeClr val="accent1"/>
+          </a:effectRef>
+          <a:fontRef idx="minor">
+            <a:schemeClr val="lt1"/>
+          </a:fontRef>
+        </p:style>
+        <p:txBody>
+          <a:bodyPr rtlCol="0" anchor="ctr"/>
+          <a:lstStyle/>
+          <a:p>
+            <a:pPr algn="ctr"/>
+            <a:endParaRPr lang="ko-KR" altLang="en-US"/>
           </a:p>
         </p:txBody>
       </p:sp>
@@ -7138,10 +7378,10 @@
       </p:sp>
       <p:grpSp>
         <p:nvGrpSpPr>
-          <p:cNvPr id="7" name="그룹 6">
-            <a:extLst>
-              <a:ext uri="{FF2B5EF4-FFF2-40B4-BE49-F238E27FC236}">
-                <a16:creationId xmlns:a16="http://schemas.microsoft.com/office/drawing/2014/main" id="{AF1639A6-BACF-43B7-AADE-43D1A489CE8A}"/>
+          <p:cNvPr id="5" name="그룹 4">
+            <a:extLst>
+              <a:ext uri="{FF2B5EF4-FFF2-40B4-BE49-F238E27FC236}">
+                <a16:creationId xmlns:a16="http://schemas.microsoft.com/office/drawing/2014/main" id="{15E65381-DCD0-4B2B-984B-44005AE3C68E}"/>
               </a:ext>
             </a:extLst>
           </p:cNvPr>
@@ -7150,347 +7390,10 @@
         </p:nvGrpSpPr>
         <p:grpSpPr>
           <a:xfrm>
-            <a:off x="8620519" y="2518439"/>
-            <a:ext cx="2662797" cy="3583622"/>
-            <a:chOff x="937186" y="2459061"/>
-            <a:chExt cx="2662797" cy="3583622"/>
-          </a:xfrm>
-        </p:grpSpPr>
-        <p:sp>
-          <p:nvSpPr>
-            <p:cNvPr id="24" name="사각형: 둥근 모서리 23">
-              <a:extLst>
-                <a:ext uri="{FF2B5EF4-FFF2-40B4-BE49-F238E27FC236}">
-                  <a16:creationId xmlns:a16="http://schemas.microsoft.com/office/drawing/2014/main" id="{229AEEEE-F6E2-413F-B938-3D351918C0F5}"/>
-                </a:ext>
-              </a:extLst>
-            </p:cNvPr>
-            <p:cNvSpPr/>
-            <p:nvPr/>
-          </p:nvSpPr>
-          <p:spPr>
-            <a:xfrm>
-              <a:off x="937186" y="2656523"/>
-              <a:ext cx="2662797" cy="1379102"/>
-            </a:xfrm>
-            <a:prstGeom prst="roundRect">
-              <a:avLst/>
-            </a:prstGeom>
-            <a:noFill/>
-            <a:ln w="28575">
-              <a:solidFill>
-                <a:srgbClr val="FDDE45"/>
-              </a:solidFill>
-            </a:ln>
-          </p:spPr>
-          <p:style>
-            <a:lnRef idx="2">
-              <a:schemeClr val="accent1">
-                <a:shade val="50000"/>
-              </a:schemeClr>
-            </a:lnRef>
-            <a:fillRef idx="1">
-              <a:schemeClr val="accent1"/>
-            </a:fillRef>
-            <a:effectRef idx="0">
-              <a:schemeClr val="accent1"/>
-            </a:effectRef>
-            <a:fontRef idx="minor">
-              <a:schemeClr val="lt1"/>
-            </a:fontRef>
-          </p:style>
-          <p:txBody>
-            <a:bodyPr rtlCol="0" anchor="ctr"/>
-            <a:lstStyle/>
-            <a:p>
-              <a:pPr algn="ctr"/>
-              <a:r>
-                <a:rPr lang="ko-KR" altLang="en-US" sz="1800" spc="-150" dirty="0">
-                  <a:solidFill>
-                    <a:schemeClr val="tx1">
-                      <a:lumMod val="75000"/>
-                      <a:lumOff val="25000"/>
-                    </a:schemeClr>
-                  </a:solidFill>
-                  <a:latin typeface="+mj-ea"/>
-                  <a:ea typeface="+mj-ea"/>
-                </a:rPr>
-                <a:t>최종 </a:t>
-              </a:r>
-              <a:r>
-                <a:rPr lang="en-US" altLang="ko-KR" sz="1800" spc="-150" dirty="0">
-                  <a:solidFill>
-                    <a:schemeClr val="tx1">
-                      <a:lumMod val="75000"/>
-                      <a:lumOff val="25000"/>
-                    </a:schemeClr>
-                  </a:solidFill>
-                  <a:latin typeface="+mj-ea"/>
-                  <a:ea typeface="+mj-ea"/>
-                </a:rPr>
-                <a:t>UI / UX </a:t>
-              </a:r>
-              <a:r>
-                <a:rPr lang="ko-KR" altLang="en-US" sz="1800" spc="-150" dirty="0">
-                  <a:solidFill>
-                    <a:schemeClr val="tx1">
-                      <a:lumMod val="75000"/>
-                      <a:lumOff val="25000"/>
-                    </a:schemeClr>
-                  </a:solidFill>
-                  <a:latin typeface="+mj-ea"/>
-                  <a:ea typeface="+mj-ea"/>
-                </a:rPr>
-                <a:t>구현</a:t>
-              </a:r>
-            </a:p>
-          </p:txBody>
-        </p:sp>
-        <p:sp>
-          <p:nvSpPr>
-            <p:cNvPr id="26" name="사각형: 둥근 모서리 25">
-              <a:extLst>
-                <a:ext uri="{FF2B5EF4-FFF2-40B4-BE49-F238E27FC236}">
-                  <a16:creationId xmlns:a16="http://schemas.microsoft.com/office/drawing/2014/main" id="{6E4E88F8-2124-4FE5-BA28-34EEACC30949}"/>
-                </a:ext>
-              </a:extLst>
-            </p:cNvPr>
-            <p:cNvSpPr/>
-            <p:nvPr/>
-          </p:nvSpPr>
-          <p:spPr>
-            <a:xfrm>
-              <a:off x="937186" y="4663581"/>
-              <a:ext cx="2662796" cy="1379102"/>
-            </a:xfrm>
-            <a:prstGeom prst="roundRect">
-              <a:avLst/>
-            </a:prstGeom>
-            <a:noFill/>
-            <a:ln w="28575">
-              <a:solidFill>
-                <a:srgbClr val="FDDE45"/>
-              </a:solidFill>
-            </a:ln>
-          </p:spPr>
-          <p:style>
-            <a:lnRef idx="2">
-              <a:schemeClr val="accent1">
-                <a:shade val="50000"/>
-              </a:schemeClr>
-            </a:lnRef>
-            <a:fillRef idx="1">
-              <a:schemeClr val="accent1"/>
-            </a:fillRef>
-            <a:effectRef idx="0">
-              <a:schemeClr val="accent1"/>
-            </a:effectRef>
-            <a:fontRef idx="minor">
-              <a:schemeClr val="lt1"/>
-            </a:fontRef>
-          </p:style>
-          <p:txBody>
-            <a:bodyPr rtlCol="0" anchor="ctr"/>
-            <a:lstStyle/>
-            <a:p>
-              <a:pPr algn="ctr"/>
-              <a:r>
-                <a:rPr lang="ko-KR" altLang="en-US" spc="-150" dirty="0">
-                  <a:solidFill>
-                    <a:schemeClr val="tx1">
-                      <a:lumMod val="75000"/>
-                      <a:lumOff val="25000"/>
-                    </a:schemeClr>
-                  </a:solidFill>
-                  <a:latin typeface="+mj-ea"/>
-                  <a:ea typeface="+mj-ea"/>
-                </a:rPr>
-                <a:t>서버 구현</a:t>
-              </a:r>
-              <a:endParaRPr lang="ko-KR" altLang="en-US" sz="1800" spc="-150" dirty="0">
-                <a:solidFill>
-                  <a:schemeClr val="tx1">
-                    <a:lumMod val="75000"/>
-                    <a:lumOff val="25000"/>
-                  </a:schemeClr>
-                </a:solidFill>
-                <a:latin typeface="+mj-ea"/>
-                <a:ea typeface="+mj-ea"/>
-              </a:endParaRPr>
-            </a:p>
-          </p:txBody>
-        </p:sp>
-        <p:sp>
-          <p:nvSpPr>
-            <p:cNvPr id="29" name="사각형: 둥근 모서리 28">
-              <a:extLst>
-                <a:ext uri="{FF2B5EF4-FFF2-40B4-BE49-F238E27FC236}">
-                  <a16:creationId xmlns:a16="http://schemas.microsoft.com/office/drawing/2014/main" id="{451FB82F-5C9F-4D8C-9FED-CAC4B511A32E}"/>
-                </a:ext>
-              </a:extLst>
-            </p:cNvPr>
-            <p:cNvSpPr/>
-            <p:nvPr/>
-          </p:nvSpPr>
-          <p:spPr>
-            <a:xfrm>
-              <a:off x="1886594" y="2459061"/>
-              <a:ext cx="832855" cy="402892"/>
-            </a:xfrm>
-            <a:prstGeom prst="roundRect">
-              <a:avLst/>
-            </a:prstGeom>
-            <a:solidFill>
-              <a:schemeClr val="accent2"/>
-            </a:solidFill>
-            <a:ln>
-              <a:solidFill>
-                <a:srgbClr val="FDDE45"/>
-              </a:solidFill>
-            </a:ln>
-          </p:spPr>
-          <p:style>
-            <a:lnRef idx="2">
-              <a:schemeClr val="accent1">
-                <a:shade val="50000"/>
-              </a:schemeClr>
-            </a:lnRef>
-            <a:fillRef idx="1">
-              <a:schemeClr val="accent1"/>
-            </a:fillRef>
-            <a:effectRef idx="0">
-              <a:schemeClr val="accent1"/>
-            </a:effectRef>
-            <a:fontRef idx="minor">
-              <a:schemeClr val="lt1"/>
-            </a:fontRef>
-          </p:style>
-          <p:txBody>
-            <a:bodyPr rtlCol="0" anchor="ctr"/>
-            <a:lstStyle/>
-            <a:p>
-              <a:pPr algn="ctr"/>
-              <a:r>
-                <a:rPr lang="en-US" altLang="ko-KR" spc="-150" dirty="0">
-                  <a:solidFill>
-                    <a:schemeClr val="tx1">
-                      <a:lumMod val="75000"/>
-                      <a:lumOff val="25000"/>
-                    </a:schemeClr>
-                  </a:solidFill>
-                  <a:latin typeface="+mj-ea"/>
-                  <a:ea typeface="+mj-ea"/>
-                </a:rPr>
-                <a:t>Front</a:t>
-              </a:r>
-              <a:endParaRPr lang="ko-KR" altLang="en-US" sz="1800" spc="-150" dirty="0">
-                <a:solidFill>
-                  <a:schemeClr val="tx1">
-                    <a:lumMod val="75000"/>
-                    <a:lumOff val="25000"/>
-                  </a:schemeClr>
-                </a:solidFill>
-                <a:latin typeface="+mj-ea"/>
-                <a:ea typeface="+mj-ea"/>
-              </a:endParaRPr>
-            </a:p>
-          </p:txBody>
-        </p:sp>
-        <p:sp>
-          <p:nvSpPr>
-            <p:cNvPr id="30" name="사각형: 둥근 모서리 29">
-              <a:extLst>
-                <a:ext uri="{FF2B5EF4-FFF2-40B4-BE49-F238E27FC236}">
-                  <a16:creationId xmlns:a16="http://schemas.microsoft.com/office/drawing/2014/main" id="{11D659F8-F033-4E35-80FC-E26C2186A97B}"/>
-                </a:ext>
-              </a:extLst>
-            </p:cNvPr>
-            <p:cNvSpPr/>
-            <p:nvPr/>
-          </p:nvSpPr>
-          <p:spPr>
-            <a:xfrm>
-              <a:off x="1848989" y="4487763"/>
-              <a:ext cx="832855" cy="402892"/>
-            </a:xfrm>
-            <a:prstGeom prst="roundRect">
-              <a:avLst/>
-            </a:prstGeom>
-            <a:solidFill>
-              <a:schemeClr val="accent2"/>
-            </a:solidFill>
-            <a:ln>
-              <a:solidFill>
-                <a:srgbClr val="FDDE45"/>
-              </a:solidFill>
-            </a:ln>
-          </p:spPr>
-          <p:style>
-            <a:lnRef idx="2">
-              <a:schemeClr val="accent1">
-                <a:shade val="50000"/>
-              </a:schemeClr>
-            </a:lnRef>
-            <a:fillRef idx="1">
-              <a:schemeClr val="accent1"/>
-            </a:fillRef>
-            <a:effectRef idx="0">
-              <a:schemeClr val="accent1"/>
-            </a:effectRef>
-            <a:fontRef idx="minor">
-              <a:schemeClr val="lt1"/>
-            </a:fontRef>
-          </p:style>
-          <p:txBody>
-            <a:bodyPr rtlCol="0" anchor="ctr"/>
-            <a:lstStyle/>
-            <a:p>
-              <a:pPr algn="ctr"/>
-              <a:r>
-                <a:rPr lang="en-US" altLang="ko-KR" spc="-150" dirty="0">
-                  <a:solidFill>
-                    <a:schemeClr val="tx1">
-                      <a:lumMod val="75000"/>
-                      <a:lumOff val="25000"/>
-                    </a:schemeClr>
-                  </a:solidFill>
-                  <a:latin typeface="+mj-ea"/>
-                  <a:ea typeface="+mj-ea"/>
-                </a:rPr>
-                <a:t>Back</a:t>
-              </a:r>
-              <a:endParaRPr lang="ko-KR" altLang="en-US" sz="1800" spc="-150" dirty="0">
-                <a:solidFill>
-                  <a:schemeClr val="tx1">
-                    <a:lumMod val="75000"/>
-                    <a:lumOff val="25000"/>
-                  </a:schemeClr>
-                </a:solidFill>
-                <a:latin typeface="+mj-ea"/>
-                <a:ea typeface="+mj-ea"/>
-              </a:endParaRPr>
-            </a:p>
-          </p:txBody>
-        </p:sp>
-      </p:grpSp>
-      <p:grpSp>
-        <p:nvGrpSpPr>
-          <p:cNvPr id="31" name="그룹 30">
-            <a:extLst>
-              <a:ext uri="{FF2B5EF4-FFF2-40B4-BE49-F238E27FC236}">
-                <a16:creationId xmlns:a16="http://schemas.microsoft.com/office/drawing/2014/main" id="{199BEC8B-417B-4BEC-B68F-802B00E84B0F}"/>
-              </a:ext>
-            </a:extLst>
-          </p:cNvPr>
-          <p:cNvGrpSpPr/>
-          <p:nvPr/>
-        </p:nvGrpSpPr>
-        <p:grpSpPr>
-          <a:xfrm>
-            <a:off x="911456" y="2516458"/>
-            <a:ext cx="2662797" cy="3583622"/>
-            <a:chOff x="937186" y="2459061"/>
-            <a:chExt cx="2662797" cy="3583622"/>
+            <a:off x="911456" y="2207699"/>
+            <a:ext cx="2686548" cy="4155496"/>
+            <a:chOff x="911456" y="2207699"/>
+            <a:chExt cx="2686548" cy="4155496"/>
           </a:xfrm>
         </p:grpSpPr>
         <p:sp>
@@ -7507,8 +7410,8 @@
           </p:nvSpPr>
           <p:spPr>
             <a:xfrm>
-              <a:off x="937186" y="2656523"/>
-              <a:ext cx="2662797" cy="1379102"/>
+              <a:off x="911456" y="2405161"/>
+              <a:ext cx="2662797" cy="1074309"/>
             </a:xfrm>
             <a:prstGeom prst="roundRect">
               <a:avLst/>
@@ -7568,7 +7471,7 @@
             <a:p>
               <a:pPr algn="ctr"/>
               <a:r>
-                <a:rPr lang="ko-KR" altLang="en-US" sz="1800" spc="-150" dirty="0">
+                <a:rPr lang="ko-KR" altLang="en-US" spc="-150" dirty="0">
                   <a:solidFill>
                     <a:schemeClr val="tx1">
                       <a:lumMod val="75000"/>
@@ -7578,8 +7481,18 @@
                   <a:latin typeface="+mj-ea"/>
                   <a:ea typeface="+mj-ea"/>
                 </a:rPr>
-                <a:t>사이트 기본 기능</a:t>
+                <a:t>기본 기능 페이지</a:t>
               </a:r>
+              <a:endParaRPr lang="ko-KR" altLang="en-US" sz="1800" spc="-150" dirty="0">
+                <a:solidFill>
+                  <a:schemeClr val="tx1">
+                    <a:lumMod val="75000"/>
+                    <a:lumOff val="25000"/>
+                  </a:schemeClr>
+                </a:solidFill>
+                <a:latin typeface="+mj-ea"/>
+                <a:ea typeface="+mj-ea"/>
+              </a:endParaRPr>
             </a:p>
           </p:txBody>
         </p:sp>
@@ -7597,8 +7510,8 @@
           </p:nvSpPr>
           <p:spPr>
             <a:xfrm>
-              <a:off x="937186" y="4663581"/>
-              <a:ext cx="2662796" cy="1379102"/>
+              <a:off x="935208" y="3794703"/>
+              <a:ext cx="2662796" cy="1133557"/>
             </a:xfrm>
             <a:prstGeom prst="roundRect">
               <a:avLst/>
@@ -7642,47 +7555,18 @@
                   <a:latin typeface="+mj-ea"/>
                   <a:ea typeface="+mj-ea"/>
                 </a:rPr>
-                <a:t>초기 데이터 </a:t>
+                <a:t>기본 기능구현</a:t>
               </a:r>
-              <a:r>
-                <a:rPr lang="en-US" altLang="ko-KR" spc="-150" dirty="0">
-                  <a:solidFill>
-                    <a:schemeClr val="tx1">
-                      <a:lumMod val="75000"/>
-                      <a:lumOff val="25000"/>
-                    </a:schemeClr>
-                  </a:solidFill>
-                  <a:latin typeface="+mj-ea"/>
-                  <a:ea typeface="+mj-ea"/>
-                </a:rPr>
-                <a:t>(</a:t>
-              </a:r>
-              <a:r>
-                <a:rPr lang="ko-KR" altLang="en-US" spc="-150" dirty="0" err="1">
-                  <a:solidFill>
-                    <a:schemeClr val="tx1">
-                      <a:lumMod val="75000"/>
-                      <a:lumOff val="25000"/>
-                    </a:schemeClr>
-                  </a:solidFill>
-                  <a:latin typeface="+mj-ea"/>
-                  <a:ea typeface="+mj-ea"/>
-                </a:rPr>
-                <a:t>머신러닝</a:t>
-              </a:r>
-              <a:r>
-                <a:rPr lang="en-US" altLang="ko-KR" spc="-150" dirty="0">
-                  <a:solidFill>
-                    <a:schemeClr val="tx1">
-                      <a:lumMod val="75000"/>
-                      <a:lumOff val="25000"/>
-                    </a:schemeClr>
-                  </a:solidFill>
-                  <a:latin typeface="+mj-ea"/>
-                  <a:ea typeface="+mj-ea"/>
-                </a:rPr>
-                <a:t>)</a:t>
-              </a:r>
+              <a:endParaRPr lang="en-US" altLang="ko-KR" spc="-150" dirty="0">
+                <a:solidFill>
+                  <a:schemeClr val="tx1">
+                    <a:lumMod val="75000"/>
+                    <a:lumOff val="25000"/>
+                  </a:schemeClr>
+                </a:solidFill>
+                <a:latin typeface="+mj-ea"/>
+                <a:ea typeface="+mj-ea"/>
+              </a:endParaRPr>
             </a:p>
             <a:p>
               <a:pPr algn="ctr"/>
@@ -7697,10 +7581,10 @@
                   <a:latin typeface="+mj-ea"/>
                   <a:ea typeface="+mj-ea"/>
                 </a:rPr>
-                <a:t>DB </a:t>
+                <a:t>DB</a:t>
               </a:r>
               <a:r>
-                <a:rPr lang="ko-KR" altLang="en-US" spc="-150" dirty="0">
+                <a:rPr lang="ko-KR" altLang="en-US" sz="1800" spc="-150" dirty="0">
                   <a:solidFill>
                     <a:schemeClr val="tx1">
                       <a:lumMod val="75000"/>
@@ -7710,9 +7594,9 @@
                   <a:latin typeface="+mj-ea"/>
                   <a:ea typeface="+mj-ea"/>
                 </a:rPr>
-                <a:t>정합성 및 보안</a:t>
+                <a:t> 설계</a:t>
               </a:r>
-              <a:endParaRPr lang="ko-KR" altLang="en-US" sz="1800" spc="-150" dirty="0">
+              <a:endParaRPr lang="en-US" altLang="ko-KR" sz="1800" spc="-150" dirty="0">
                 <a:solidFill>
                   <a:schemeClr val="tx1">
                     <a:lumMod val="75000"/>
@@ -7739,7 +7623,7 @@
           </p:nvSpPr>
           <p:spPr>
             <a:xfrm>
-              <a:off x="1886594" y="2459061"/>
+              <a:off x="1848989" y="2207699"/>
               <a:ext cx="832855" cy="402892"/>
             </a:xfrm>
             <a:prstGeom prst="roundRect">
@@ -7815,7 +7699,7 @@
           </p:nvSpPr>
           <p:spPr>
             <a:xfrm>
-              <a:off x="1848989" y="4487763"/>
+              <a:off x="1847011" y="3595134"/>
               <a:ext cx="832855" cy="402892"/>
             </a:xfrm>
             <a:prstGeom prst="roundRect">
@@ -7877,33 +7761,12 @@
             </a:p>
           </p:txBody>
         </p:sp>
-      </p:grpSp>
-      <p:grpSp>
-        <p:nvGrpSpPr>
-          <p:cNvPr id="36" name="그룹 35">
-            <a:extLst>
-              <a:ext uri="{FF2B5EF4-FFF2-40B4-BE49-F238E27FC236}">
-                <a16:creationId xmlns:a16="http://schemas.microsoft.com/office/drawing/2014/main" id="{70AC1FDC-9297-4621-97ED-D50AB17A548B}"/>
-              </a:ext>
-            </a:extLst>
-          </p:cNvPr>
-          <p:cNvGrpSpPr/>
-          <p:nvPr/>
-        </p:nvGrpSpPr>
-        <p:grpSpPr>
-          <a:xfrm>
-            <a:off x="4806561" y="2516460"/>
-            <a:ext cx="2662797" cy="3583622"/>
-            <a:chOff x="937186" y="2459061"/>
-            <a:chExt cx="2662797" cy="3583622"/>
-          </a:xfrm>
-        </p:grpSpPr>
         <p:sp>
           <p:nvSpPr>
-            <p:cNvPr id="37" name="사각형: 둥근 모서리 36">
+            <p:cNvPr id="27" name="사각형: 둥근 모서리 26">
               <a:extLst>
                 <a:ext uri="{FF2B5EF4-FFF2-40B4-BE49-F238E27FC236}">
-                  <a16:creationId xmlns:a16="http://schemas.microsoft.com/office/drawing/2014/main" id="{ABCC8D34-427F-4D4E-BFEF-1B044715BE66}"/>
+                  <a16:creationId xmlns:a16="http://schemas.microsoft.com/office/drawing/2014/main" id="{A9B6DBC0-34E1-41D3-812E-04CEC3A57A6C}"/>
                 </a:ext>
               </a:extLst>
             </p:cNvPr>
@@ -7912,8 +7775,8 @@
           </p:nvSpPr>
           <p:spPr>
             <a:xfrm>
-              <a:off x="937186" y="2656523"/>
-              <a:ext cx="2662797" cy="1379102"/>
+              <a:off x="921354" y="5229638"/>
+              <a:ext cx="2662796" cy="1133557"/>
             </a:xfrm>
             <a:prstGeom prst="roundRect">
               <a:avLst/>
@@ -7947,7 +7810,7 @@
             <a:p>
               <a:pPr algn="ctr"/>
               <a:r>
-                <a:rPr lang="ko-KR" altLang="en-US" sz="1800" spc="-150" dirty="0">
+                <a:rPr lang="ko-KR" altLang="en-US" spc="-150" dirty="0">
                   <a:solidFill>
                     <a:schemeClr val="tx1">
                       <a:lumMod val="75000"/>
@@ -7957,17 +7820,66 @@
                   <a:latin typeface="+mj-ea"/>
                   <a:ea typeface="+mj-ea"/>
                 </a:rPr>
-                <a:t>측정 데이터 시각화</a:t>
+                <a:t>초기 데이터 수집</a:t>
               </a:r>
+              <a:endParaRPr lang="en-US" altLang="ko-KR" spc="-150" dirty="0">
+                <a:solidFill>
+                  <a:schemeClr val="tx1">
+                    <a:lumMod val="75000"/>
+                    <a:lumOff val="25000"/>
+                  </a:schemeClr>
+                </a:solidFill>
+                <a:latin typeface="+mj-ea"/>
+                <a:ea typeface="+mj-ea"/>
+              </a:endParaRPr>
+            </a:p>
+            <a:p>
+              <a:pPr algn="ctr"/>
+              <a:r>
+                <a:rPr lang="ko-KR" altLang="en-US" spc="-150" dirty="0">
+                  <a:solidFill>
+                    <a:schemeClr val="tx1">
+                      <a:lumMod val="75000"/>
+                      <a:lumOff val="25000"/>
+                    </a:schemeClr>
+                  </a:solidFill>
+                  <a:latin typeface="+mj-ea"/>
+                  <a:ea typeface="+mj-ea"/>
+                </a:rPr>
+                <a:t>데이터 </a:t>
+              </a:r>
+              <a:r>
+                <a:rPr lang="ko-KR" altLang="en-US" spc="-150" dirty="0" err="1">
+                  <a:solidFill>
+                    <a:schemeClr val="tx1">
+                      <a:lumMod val="75000"/>
+                      <a:lumOff val="25000"/>
+                    </a:schemeClr>
+                  </a:solidFill>
+                  <a:latin typeface="+mj-ea"/>
+                  <a:ea typeface="+mj-ea"/>
+                </a:rPr>
+                <a:t>전처리</a:t>
+              </a:r>
+              <a:endParaRPr lang="en-US" altLang="ko-KR" spc="-150" dirty="0">
+                <a:solidFill>
+                  <a:schemeClr val="tx1">
+                    <a:lumMod val="75000"/>
+                    <a:lumOff val="25000"/>
+                  </a:schemeClr>
+                </a:solidFill>
+                <a:latin typeface="+mj-ea"/>
+                <a:ea typeface="+mj-ea"/>
+              </a:endParaRPr>
             </a:p>
           </p:txBody>
         </p:sp>
         <p:sp>
           <p:nvSpPr>
-            <p:cNvPr id="38" name="사각형: 둥근 모서리 37">
+            <p:cNvPr id="41" name="사각형: 둥근 모서리 40">
               <a:extLst>
                 <a:ext uri="{FF2B5EF4-FFF2-40B4-BE49-F238E27FC236}">
-                  <a16:creationId xmlns:a16="http://schemas.microsoft.com/office/drawing/2014/main" id="{4B08970C-BC56-4CAC-B911-AEAEED326A0E}"/>
+                  <a16:creationId xmlns:a16="http://schemas.microsoft.com/office/drawing/2014/main" id="{F21BD348-4B00-4EB2-9D76-2339041AE43D}"/>
                 </a:ext>
               </a:extLst>
             </p:cNvPr>
@@ -7976,8 +7888,181 @@
           </p:nvSpPr>
           <p:spPr>
             <a:xfrm>
-              <a:off x="937186" y="4663581"/>
-              <a:ext cx="2662796" cy="1379102"/>
+              <a:off x="1833157" y="5030069"/>
+              <a:ext cx="832855" cy="402892"/>
+            </a:xfrm>
+            <a:prstGeom prst="roundRect">
+              <a:avLst/>
+            </a:prstGeom>
+            <a:solidFill>
+              <a:schemeClr val="accent2"/>
+            </a:solidFill>
+            <a:ln>
+              <a:solidFill>
+                <a:srgbClr val="FDDE45"/>
+              </a:solidFill>
+            </a:ln>
+          </p:spPr>
+          <p:style>
+            <a:lnRef idx="2">
+              <a:schemeClr val="accent1">
+                <a:shade val="50000"/>
+              </a:schemeClr>
+            </a:lnRef>
+            <a:fillRef idx="1">
+              <a:schemeClr val="accent1"/>
+            </a:fillRef>
+            <a:effectRef idx="0">
+              <a:schemeClr val="accent1"/>
+            </a:effectRef>
+            <a:fontRef idx="minor">
+              <a:schemeClr val="lt1"/>
+            </a:fontRef>
+          </p:style>
+          <p:txBody>
+            <a:bodyPr rtlCol="0" anchor="ctr"/>
+            <a:lstStyle/>
+            <a:p>
+              <a:pPr algn="ctr"/>
+              <a:r>
+                <a:rPr lang="en-US" altLang="ko-KR" spc="-150" dirty="0">
+                  <a:solidFill>
+                    <a:schemeClr val="tx1">
+                      <a:lumMod val="75000"/>
+                      <a:lumOff val="25000"/>
+                    </a:schemeClr>
+                  </a:solidFill>
+                  <a:latin typeface="+mj-ea"/>
+                  <a:ea typeface="+mj-ea"/>
+                </a:rPr>
+                <a:t>AI</a:t>
+              </a:r>
+              <a:endParaRPr lang="ko-KR" altLang="en-US" sz="1800" spc="-150" dirty="0">
+                <a:solidFill>
+                  <a:schemeClr val="tx1">
+                    <a:lumMod val="75000"/>
+                    <a:lumOff val="25000"/>
+                  </a:schemeClr>
+                </a:solidFill>
+                <a:latin typeface="+mj-ea"/>
+                <a:ea typeface="+mj-ea"/>
+              </a:endParaRPr>
+            </a:p>
+          </p:txBody>
+        </p:sp>
+      </p:grpSp>
+      <p:sp>
+        <p:nvSpPr>
+          <p:cNvPr id="42" name="사각형: 둥근 모서리 41">
+            <a:extLst>
+              <a:ext uri="{FF2B5EF4-FFF2-40B4-BE49-F238E27FC236}">
+                <a16:creationId xmlns:a16="http://schemas.microsoft.com/office/drawing/2014/main" id="{F4EC3D8A-F643-44F1-81ED-8D0833EC1193}"/>
+              </a:ext>
+            </a:extLst>
+          </p:cNvPr>
+          <p:cNvSpPr/>
+          <p:nvPr/>
+        </p:nvSpPr>
+        <p:spPr>
+          <a:xfrm>
+            <a:off x="1393644" y="6429375"/>
+            <a:ext cx="1688631" cy="371475"/>
+          </a:xfrm>
+          <a:prstGeom prst="roundRect">
+            <a:avLst/>
+          </a:prstGeom>
+          <a:solidFill>
+            <a:schemeClr val="accent2"/>
+          </a:solidFill>
+          <a:ln>
+            <a:solidFill>
+              <a:srgbClr val="FDDE45"/>
+            </a:solidFill>
+          </a:ln>
+        </p:spPr>
+        <p:style>
+          <a:lnRef idx="2">
+            <a:schemeClr val="accent1">
+              <a:shade val="50000"/>
+            </a:schemeClr>
+          </a:lnRef>
+          <a:fillRef idx="1">
+            <a:schemeClr val="accent1"/>
+          </a:fillRef>
+          <a:effectRef idx="0">
+            <a:schemeClr val="accent1"/>
+          </a:effectRef>
+          <a:fontRef idx="minor">
+            <a:schemeClr val="lt1"/>
+          </a:fontRef>
+        </p:style>
+        <p:txBody>
+          <a:bodyPr rtlCol="0" anchor="ctr"/>
+          <a:lstStyle/>
+          <a:p>
+            <a:pPr algn="ctr"/>
+            <a:r>
+              <a:rPr lang="en-US" altLang="ko-KR" spc="-150" dirty="0">
+                <a:solidFill>
+                  <a:schemeClr val="tx1">
+                    <a:lumMod val="75000"/>
+                    <a:lumOff val="25000"/>
+                  </a:schemeClr>
+                </a:solidFill>
+                <a:latin typeface="+mj-ea"/>
+                <a:ea typeface="+mj-ea"/>
+              </a:rPr>
+              <a:t>1/12 – 1/25</a:t>
+            </a:r>
+            <a:endParaRPr lang="ko-KR" altLang="en-US" sz="1800" spc="-150" dirty="0">
+              <a:solidFill>
+                <a:schemeClr val="tx1">
+                  <a:lumMod val="75000"/>
+                  <a:lumOff val="25000"/>
+                </a:schemeClr>
+              </a:solidFill>
+              <a:latin typeface="+mj-ea"/>
+              <a:ea typeface="+mj-ea"/>
+            </a:endParaRPr>
+          </a:p>
+        </p:txBody>
+      </p:sp>
+      <p:grpSp>
+        <p:nvGrpSpPr>
+          <p:cNvPr id="43" name="그룹 42">
+            <a:extLst>
+              <a:ext uri="{FF2B5EF4-FFF2-40B4-BE49-F238E27FC236}">
+                <a16:creationId xmlns:a16="http://schemas.microsoft.com/office/drawing/2014/main" id="{6C2C34DB-9068-475E-A8D8-EFB70C03F0E9}"/>
+              </a:ext>
+            </a:extLst>
+          </p:cNvPr>
+          <p:cNvGrpSpPr/>
+          <p:nvPr/>
+        </p:nvGrpSpPr>
+        <p:grpSpPr>
+          <a:xfrm>
+            <a:off x="4759556" y="2207699"/>
+            <a:ext cx="2686548" cy="4155496"/>
+            <a:chOff x="911456" y="2207699"/>
+            <a:chExt cx="2686548" cy="4155496"/>
+          </a:xfrm>
+        </p:grpSpPr>
+        <p:sp>
+          <p:nvSpPr>
+            <p:cNvPr id="44" name="사각형: 둥근 모서리 43">
+              <a:extLst>
+                <a:ext uri="{FF2B5EF4-FFF2-40B4-BE49-F238E27FC236}">
+                  <a16:creationId xmlns:a16="http://schemas.microsoft.com/office/drawing/2014/main" id="{19BF304C-3664-40F8-A9C3-1B07788CD5AF}"/>
+                </a:ext>
+              </a:extLst>
+            </p:cNvPr>
+            <p:cNvSpPr/>
+            <p:nvPr/>
+          </p:nvSpPr>
+          <p:spPr>
+            <a:xfrm>
+              <a:off x="911456" y="2405161"/>
+              <a:ext cx="2662797" cy="1074309"/>
             </a:xfrm>
             <a:prstGeom prst="roundRect">
               <a:avLst/>
@@ -8011,45 +8096,6 @@
             <a:p>
               <a:pPr algn="ctr"/>
               <a:r>
-                <a:rPr lang="ko-KR" altLang="en-US" sz="1800" spc="-150" dirty="0">
-                  <a:solidFill>
-                    <a:schemeClr val="tx1">
-                      <a:lumMod val="75000"/>
-                      <a:lumOff val="25000"/>
-                    </a:schemeClr>
-                  </a:solidFill>
-                  <a:latin typeface="+mj-ea"/>
-                  <a:ea typeface="+mj-ea"/>
-                </a:rPr>
-                <a:t>핵심 기능구현</a:t>
-              </a:r>
-              <a:endParaRPr lang="en-US" altLang="ko-KR" sz="1800" spc="-150" dirty="0">
-                <a:solidFill>
-                  <a:schemeClr val="tx1">
-                    <a:lumMod val="75000"/>
-                    <a:lumOff val="25000"/>
-                  </a:schemeClr>
-                </a:solidFill>
-                <a:latin typeface="+mj-ea"/>
-                <a:ea typeface="+mj-ea"/>
-              </a:endParaRPr>
-            </a:p>
-            <a:p>
-              <a:pPr algn="ctr"/>
-              <a:r>
-                <a:rPr lang="en-US" altLang="ko-KR" spc="-150" dirty="0">
-                  <a:solidFill>
-                    <a:schemeClr val="tx1">
-                      <a:lumMod val="75000"/>
-                      <a:lumOff val="25000"/>
-                    </a:schemeClr>
-                  </a:solidFill>
-                  <a:latin typeface="+mj-ea"/>
-                  <a:ea typeface="+mj-ea"/>
-                </a:rPr>
-                <a:t>( </a:t>
-              </a:r>
-              <a:r>
                 <a:rPr lang="ko-KR" altLang="en-US" spc="-150" dirty="0">
                   <a:solidFill>
                     <a:schemeClr val="tx1">
@@ -8060,22 +8106,9 @@
                   <a:latin typeface="+mj-ea"/>
                   <a:ea typeface="+mj-ea"/>
                 </a:rPr>
-                <a:t>텍스트 기반 기술 측정 </a:t>
+                <a:t>게시판 형태 구성</a:t>
               </a:r>
-              <a:r>
-                <a:rPr lang="en-US" altLang="ko-KR" spc="-150" dirty="0">
-                  <a:solidFill>
-                    <a:schemeClr val="tx1">
-                      <a:lumMod val="75000"/>
-                      <a:lumOff val="25000"/>
-                    </a:schemeClr>
-                  </a:solidFill>
-                  <a:latin typeface="+mj-ea"/>
-                  <a:ea typeface="+mj-ea"/>
-                </a:rPr>
-                <a:t>)</a:t>
-              </a:r>
-              <a:endParaRPr lang="ko-KR" altLang="en-US" sz="1800" spc="-150" dirty="0">
+              <a:endParaRPr lang="en-US" altLang="ko-KR" spc="-150" dirty="0">
                 <a:solidFill>
                   <a:schemeClr val="tx1">
                     <a:lumMod val="75000"/>
@@ -8090,10 +8123,10 @@
         </p:sp>
         <p:sp>
           <p:nvSpPr>
-            <p:cNvPr id="39" name="사각형: 둥근 모서리 38">
+            <p:cNvPr id="45" name="사각형: 둥근 모서리 44">
               <a:extLst>
                 <a:ext uri="{FF2B5EF4-FFF2-40B4-BE49-F238E27FC236}">
-                  <a16:creationId xmlns:a16="http://schemas.microsoft.com/office/drawing/2014/main" id="{005F6BD0-5A4F-4711-8452-A9D53F75365F}"/>
+                  <a16:creationId xmlns:a16="http://schemas.microsoft.com/office/drawing/2014/main" id="{3794BB35-0554-4ED7-9CC3-406F9EADB2ED}"/>
                 </a:ext>
               </a:extLst>
             </p:cNvPr>
@@ -8102,7 +8135,107 @@
           </p:nvSpPr>
           <p:spPr>
             <a:xfrm>
-              <a:off x="1886594" y="2459061"/>
+              <a:off x="935208" y="3794703"/>
+              <a:ext cx="2662796" cy="1133557"/>
+            </a:xfrm>
+            <a:prstGeom prst="roundRect">
+              <a:avLst/>
+            </a:prstGeom>
+            <a:noFill/>
+            <a:ln w="28575">
+              <a:solidFill>
+                <a:srgbClr val="FDDE45"/>
+              </a:solidFill>
+            </a:ln>
+          </p:spPr>
+          <p:style>
+            <a:lnRef idx="2">
+              <a:schemeClr val="accent1">
+                <a:shade val="50000"/>
+              </a:schemeClr>
+            </a:lnRef>
+            <a:fillRef idx="1">
+              <a:schemeClr val="accent1"/>
+            </a:fillRef>
+            <a:effectRef idx="0">
+              <a:schemeClr val="accent1"/>
+            </a:effectRef>
+            <a:fontRef idx="minor">
+              <a:schemeClr val="lt1"/>
+            </a:fontRef>
+          </p:style>
+          <p:txBody>
+            <a:bodyPr rtlCol="0" anchor="ctr"/>
+            <a:lstStyle/>
+            <a:p>
+              <a:pPr algn="ctr"/>
+              <a:r>
+                <a:rPr lang="ko-KR" altLang="en-US" spc="-150" dirty="0">
+                  <a:solidFill>
+                    <a:schemeClr val="tx1">
+                      <a:lumMod val="75000"/>
+                      <a:lumOff val="25000"/>
+                    </a:schemeClr>
+                  </a:solidFill>
+                  <a:latin typeface="+mj-ea"/>
+                  <a:ea typeface="+mj-ea"/>
+                </a:rPr>
+                <a:t>게시판 기능 구현</a:t>
+              </a:r>
+              <a:endParaRPr lang="en-US" altLang="ko-KR" spc="-150" dirty="0">
+                <a:solidFill>
+                  <a:schemeClr val="tx1">
+                    <a:lumMod val="75000"/>
+                    <a:lumOff val="25000"/>
+                  </a:schemeClr>
+                </a:solidFill>
+                <a:latin typeface="+mj-ea"/>
+                <a:ea typeface="+mj-ea"/>
+              </a:endParaRPr>
+            </a:p>
+            <a:p>
+              <a:pPr algn="ctr"/>
+              <a:r>
+                <a:rPr lang="ko-KR" altLang="en-US" spc="-150" dirty="0">
+                  <a:solidFill>
+                    <a:schemeClr val="tx1">
+                      <a:lumMod val="75000"/>
+                      <a:lumOff val="25000"/>
+                    </a:schemeClr>
+                  </a:solidFill>
+                  <a:latin typeface="+mj-ea"/>
+                  <a:ea typeface="+mj-ea"/>
+                </a:rPr>
+                <a:t>자동 매칭 기능 구현</a:t>
+              </a:r>
+              <a:endParaRPr lang="en-US" altLang="ko-KR" spc="-150" dirty="0">
+                <a:solidFill>
+                  <a:schemeClr val="tx1">
+                    <a:lumMod val="75000"/>
+                    <a:lumOff val="25000"/>
+                  </a:schemeClr>
+                </a:solidFill>
+                <a:latin typeface="+mj-ea"/>
+                <a:ea typeface="+mj-ea"/>
+              </a:endParaRPr>
+            </a:p>
+          </p:txBody>
+        </p:sp>
+        <p:sp>
+          <p:nvSpPr>
+            <p:cNvPr id="46" name="사각형: 둥근 모서리 45">
+              <a:extLst>
+                <a:ext uri="{FF2B5EF4-FFF2-40B4-BE49-F238E27FC236}">
+                  <a16:creationId xmlns:a16="http://schemas.microsoft.com/office/drawing/2014/main" id="{A916D25C-E457-41AF-ADE3-DF1B6E02CDDE}"/>
+                </a:ext>
+              </a:extLst>
+            </p:cNvPr>
+            <p:cNvSpPr/>
+            <p:nvPr/>
+          </p:nvSpPr>
+          <p:spPr>
+            <a:xfrm>
+              <a:off x="1848989" y="2207699"/>
               <a:ext cx="832855" cy="402892"/>
             </a:xfrm>
             <a:prstGeom prst="roundRect">
@@ -8166,10 +8299,10 @@
         </p:sp>
         <p:sp>
           <p:nvSpPr>
-            <p:cNvPr id="40" name="사각형: 둥근 모서리 39">
+            <p:cNvPr id="47" name="사각형: 둥근 모서리 46">
               <a:extLst>
                 <a:ext uri="{FF2B5EF4-FFF2-40B4-BE49-F238E27FC236}">
-                  <a16:creationId xmlns:a16="http://schemas.microsoft.com/office/drawing/2014/main" id="{96DBB97D-367E-40CC-9034-232E054A9D07}"/>
+                  <a16:creationId xmlns:a16="http://schemas.microsoft.com/office/drawing/2014/main" id="{3781FD30-A55B-4BD0-AF5D-2E880B230FF2}"/>
                 </a:ext>
               </a:extLst>
             </p:cNvPr>
@@ -8178,7 +8311,7 @@
           </p:nvSpPr>
           <p:spPr>
             <a:xfrm>
-              <a:off x="1848989" y="4487763"/>
+              <a:off x="1847011" y="3595134"/>
               <a:ext cx="832855" cy="402892"/>
             </a:xfrm>
             <a:prstGeom prst="roundRect">
@@ -8226,6 +8359,831 @@
                   <a:ea typeface="+mj-ea"/>
                 </a:rPr>
                 <a:t>Back</a:t>
+              </a:r>
+              <a:endParaRPr lang="ko-KR" altLang="en-US" sz="1800" spc="-150" dirty="0">
+                <a:solidFill>
+                  <a:schemeClr val="tx1">
+                    <a:lumMod val="75000"/>
+                    <a:lumOff val="25000"/>
+                  </a:schemeClr>
+                </a:solidFill>
+                <a:latin typeface="+mj-ea"/>
+                <a:ea typeface="+mj-ea"/>
+              </a:endParaRPr>
+            </a:p>
+          </p:txBody>
+        </p:sp>
+        <p:sp>
+          <p:nvSpPr>
+            <p:cNvPr id="48" name="사각형: 둥근 모서리 47">
+              <a:extLst>
+                <a:ext uri="{FF2B5EF4-FFF2-40B4-BE49-F238E27FC236}">
+                  <a16:creationId xmlns:a16="http://schemas.microsoft.com/office/drawing/2014/main" id="{6D2D9CFB-BFFF-47D5-A962-A9431E04606C}"/>
+                </a:ext>
+              </a:extLst>
+            </p:cNvPr>
+            <p:cNvSpPr/>
+            <p:nvPr/>
+          </p:nvSpPr>
+          <p:spPr>
+            <a:xfrm>
+              <a:off x="921354" y="5229638"/>
+              <a:ext cx="2662796" cy="1133557"/>
+            </a:xfrm>
+            <a:prstGeom prst="roundRect">
+              <a:avLst/>
+            </a:prstGeom>
+            <a:noFill/>
+            <a:ln w="28575">
+              <a:solidFill>
+                <a:srgbClr val="FDDE45"/>
+              </a:solidFill>
+            </a:ln>
+          </p:spPr>
+          <p:style>
+            <a:lnRef idx="2">
+              <a:schemeClr val="accent1">
+                <a:shade val="50000"/>
+              </a:schemeClr>
+            </a:lnRef>
+            <a:fillRef idx="1">
+              <a:schemeClr val="accent1"/>
+            </a:fillRef>
+            <a:effectRef idx="0">
+              <a:schemeClr val="accent1"/>
+            </a:effectRef>
+            <a:fontRef idx="minor">
+              <a:schemeClr val="lt1"/>
+            </a:fontRef>
+          </p:style>
+          <p:txBody>
+            <a:bodyPr rtlCol="0" anchor="ctr"/>
+            <a:lstStyle/>
+            <a:p>
+              <a:pPr algn="ctr"/>
+              <a:r>
+                <a:rPr lang="ko-KR" altLang="en-US" spc="-150" dirty="0">
+                  <a:solidFill>
+                    <a:schemeClr val="tx1">
+                      <a:lumMod val="75000"/>
+                      <a:lumOff val="25000"/>
+                    </a:schemeClr>
+                  </a:solidFill>
+                  <a:latin typeface="+mj-ea"/>
+                  <a:ea typeface="+mj-ea"/>
+                </a:rPr>
+                <a:t>학습 알고리즘 구현</a:t>
+              </a:r>
+              <a:endParaRPr lang="en-US" altLang="ko-KR" spc="-150" dirty="0">
+                <a:solidFill>
+                  <a:schemeClr val="tx1">
+                    <a:lumMod val="75000"/>
+                    <a:lumOff val="25000"/>
+                  </a:schemeClr>
+                </a:solidFill>
+                <a:latin typeface="+mj-ea"/>
+                <a:ea typeface="+mj-ea"/>
+              </a:endParaRPr>
+            </a:p>
+          </p:txBody>
+        </p:sp>
+        <p:sp>
+          <p:nvSpPr>
+            <p:cNvPr id="49" name="사각형: 둥근 모서리 48">
+              <a:extLst>
+                <a:ext uri="{FF2B5EF4-FFF2-40B4-BE49-F238E27FC236}">
+                  <a16:creationId xmlns:a16="http://schemas.microsoft.com/office/drawing/2014/main" id="{102AB638-BDDB-471C-9CB2-7DAD8B946CA6}"/>
+                </a:ext>
+              </a:extLst>
+            </p:cNvPr>
+            <p:cNvSpPr/>
+            <p:nvPr/>
+          </p:nvSpPr>
+          <p:spPr>
+            <a:xfrm>
+              <a:off x="1833157" y="5030069"/>
+              <a:ext cx="832855" cy="402892"/>
+            </a:xfrm>
+            <a:prstGeom prst="roundRect">
+              <a:avLst/>
+            </a:prstGeom>
+            <a:solidFill>
+              <a:schemeClr val="accent2"/>
+            </a:solidFill>
+            <a:ln>
+              <a:solidFill>
+                <a:srgbClr val="FDDE45"/>
+              </a:solidFill>
+            </a:ln>
+          </p:spPr>
+          <p:style>
+            <a:lnRef idx="2">
+              <a:schemeClr val="accent1">
+                <a:shade val="50000"/>
+              </a:schemeClr>
+            </a:lnRef>
+            <a:fillRef idx="1">
+              <a:schemeClr val="accent1"/>
+            </a:fillRef>
+            <a:effectRef idx="0">
+              <a:schemeClr val="accent1"/>
+            </a:effectRef>
+            <a:fontRef idx="minor">
+              <a:schemeClr val="lt1"/>
+            </a:fontRef>
+          </p:style>
+          <p:txBody>
+            <a:bodyPr rtlCol="0" anchor="ctr"/>
+            <a:lstStyle/>
+            <a:p>
+              <a:pPr algn="ctr"/>
+              <a:r>
+                <a:rPr lang="en-US" altLang="ko-KR" spc="-150" dirty="0">
+                  <a:solidFill>
+                    <a:schemeClr val="tx1">
+                      <a:lumMod val="75000"/>
+                      <a:lumOff val="25000"/>
+                    </a:schemeClr>
+                  </a:solidFill>
+                  <a:latin typeface="+mj-ea"/>
+                  <a:ea typeface="+mj-ea"/>
+                </a:rPr>
+                <a:t>AI</a:t>
+              </a:r>
+              <a:endParaRPr lang="ko-KR" altLang="en-US" sz="1800" spc="-150" dirty="0">
+                <a:solidFill>
+                  <a:schemeClr val="tx1">
+                    <a:lumMod val="75000"/>
+                    <a:lumOff val="25000"/>
+                  </a:schemeClr>
+                </a:solidFill>
+                <a:latin typeface="+mj-ea"/>
+                <a:ea typeface="+mj-ea"/>
+              </a:endParaRPr>
+            </a:p>
+          </p:txBody>
+        </p:sp>
+      </p:grpSp>
+      <p:sp>
+        <p:nvSpPr>
+          <p:cNvPr id="50" name="사각형: 둥근 모서리 49">
+            <a:extLst>
+              <a:ext uri="{FF2B5EF4-FFF2-40B4-BE49-F238E27FC236}">
+                <a16:creationId xmlns:a16="http://schemas.microsoft.com/office/drawing/2014/main" id="{8349E171-3235-4EFB-A0E3-FB2D91C49B03}"/>
+              </a:ext>
+            </a:extLst>
+          </p:cNvPr>
+          <p:cNvSpPr/>
+          <p:nvPr/>
+        </p:nvSpPr>
+        <p:spPr>
+          <a:xfrm>
+            <a:off x="5232219" y="6419850"/>
+            <a:ext cx="1688631" cy="371475"/>
+          </a:xfrm>
+          <a:prstGeom prst="roundRect">
+            <a:avLst/>
+          </a:prstGeom>
+          <a:solidFill>
+            <a:schemeClr val="accent2"/>
+          </a:solidFill>
+          <a:ln>
+            <a:solidFill>
+              <a:srgbClr val="FDDE45"/>
+            </a:solidFill>
+          </a:ln>
+        </p:spPr>
+        <p:style>
+          <a:lnRef idx="2">
+            <a:schemeClr val="accent1">
+              <a:shade val="50000"/>
+            </a:schemeClr>
+          </a:lnRef>
+          <a:fillRef idx="1">
+            <a:schemeClr val="accent1"/>
+          </a:fillRef>
+          <a:effectRef idx="0">
+            <a:schemeClr val="accent1"/>
+          </a:effectRef>
+          <a:fontRef idx="minor">
+            <a:schemeClr val="lt1"/>
+          </a:fontRef>
+        </p:style>
+        <p:txBody>
+          <a:bodyPr rtlCol="0" anchor="ctr"/>
+          <a:lstStyle/>
+          <a:p>
+            <a:pPr algn="ctr"/>
+            <a:r>
+              <a:rPr lang="en-US" altLang="ko-KR" spc="-150" dirty="0">
+                <a:solidFill>
+                  <a:schemeClr val="tx1">
+                    <a:lumMod val="75000"/>
+                    <a:lumOff val="25000"/>
+                  </a:schemeClr>
+                </a:solidFill>
+                <a:latin typeface="+mj-ea"/>
+                <a:ea typeface="+mj-ea"/>
+              </a:rPr>
+              <a:t>1/26 – 2/8</a:t>
+            </a:r>
+            <a:endParaRPr lang="ko-KR" altLang="en-US" sz="1800" spc="-150" dirty="0">
+              <a:solidFill>
+                <a:schemeClr val="tx1">
+                  <a:lumMod val="75000"/>
+                  <a:lumOff val="25000"/>
+                </a:schemeClr>
+              </a:solidFill>
+              <a:latin typeface="+mj-ea"/>
+              <a:ea typeface="+mj-ea"/>
+            </a:endParaRPr>
+          </a:p>
+        </p:txBody>
+      </p:sp>
+      <p:sp>
+        <p:nvSpPr>
+          <p:cNvPr id="51" name="사각형: 둥근 모서리 50">
+            <a:extLst>
+              <a:ext uri="{FF2B5EF4-FFF2-40B4-BE49-F238E27FC236}">
+                <a16:creationId xmlns:a16="http://schemas.microsoft.com/office/drawing/2014/main" id="{6D16F3EB-F5BF-46A3-9D37-6E4E9691BE3B}"/>
+              </a:ext>
+            </a:extLst>
+          </p:cNvPr>
+          <p:cNvSpPr/>
+          <p:nvPr/>
+        </p:nvSpPr>
+        <p:spPr>
+          <a:xfrm>
+            <a:off x="9070794" y="6448425"/>
+            <a:ext cx="1688631" cy="371475"/>
+          </a:xfrm>
+          <a:prstGeom prst="roundRect">
+            <a:avLst/>
+          </a:prstGeom>
+          <a:solidFill>
+            <a:schemeClr val="accent2"/>
+          </a:solidFill>
+          <a:ln>
+            <a:solidFill>
+              <a:srgbClr val="FDDE45"/>
+            </a:solidFill>
+          </a:ln>
+        </p:spPr>
+        <p:style>
+          <a:lnRef idx="2">
+            <a:schemeClr val="accent1">
+              <a:shade val="50000"/>
+            </a:schemeClr>
+          </a:lnRef>
+          <a:fillRef idx="1">
+            <a:schemeClr val="accent1"/>
+          </a:fillRef>
+          <a:effectRef idx="0">
+            <a:schemeClr val="accent1"/>
+          </a:effectRef>
+          <a:fontRef idx="minor">
+            <a:schemeClr val="lt1"/>
+          </a:fontRef>
+        </p:style>
+        <p:txBody>
+          <a:bodyPr rtlCol="0" anchor="ctr"/>
+          <a:lstStyle/>
+          <a:p>
+            <a:pPr algn="ctr"/>
+            <a:r>
+              <a:rPr lang="en-US" altLang="ko-KR" spc="-150" dirty="0">
+                <a:solidFill>
+                  <a:schemeClr val="tx1">
+                    <a:lumMod val="75000"/>
+                    <a:lumOff val="25000"/>
+                  </a:schemeClr>
+                </a:solidFill>
+                <a:latin typeface="+mj-ea"/>
+                <a:ea typeface="+mj-ea"/>
+              </a:rPr>
+              <a:t>2/9 – 2/22</a:t>
+            </a:r>
+            <a:endParaRPr lang="ko-KR" altLang="en-US" sz="1800" spc="-150" dirty="0">
+              <a:solidFill>
+                <a:schemeClr val="tx1">
+                  <a:lumMod val="75000"/>
+                  <a:lumOff val="25000"/>
+                </a:schemeClr>
+              </a:solidFill>
+              <a:latin typeface="+mj-ea"/>
+              <a:ea typeface="+mj-ea"/>
+            </a:endParaRPr>
+          </a:p>
+        </p:txBody>
+      </p:sp>
+      <p:grpSp>
+        <p:nvGrpSpPr>
+          <p:cNvPr id="52" name="그룹 51">
+            <a:extLst>
+              <a:ext uri="{FF2B5EF4-FFF2-40B4-BE49-F238E27FC236}">
+                <a16:creationId xmlns:a16="http://schemas.microsoft.com/office/drawing/2014/main" id="{10B3C9F5-E562-4975-AFF4-9150256448D5}"/>
+              </a:ext>
+            </a:extLst>
+          </p:cNvPr>
+          <p:cNvGrpSpPr/>
+          <p:nvPr/>
+        </p:nvGrpSpPr>
+        <p:grpSpPr>
+          <a:xfrm>
+            <a:off x="8588606" y="2207699"/>
+            <a:ext cx="2686548" cy="4155496"/>
+            <a:chOff x="911456" y="2207699"/>
+            <a:chExt cx="2686548" cy="4155496"/>
+          </a:xfrm>
+        </p:grpSpPr>
+        <p:sp>
+          <p:nvSpPr>
+            <p:cNvPr id="53" name="사각형: 둥근 모서리 52">
+              <a:extLst>
+                <a:ext uri="{FF2B5EF4-FFF2-40B4-BE49-F238E27FC236}">
+                  <a16:creationId xmlns:a16="http://schemas.microsoft.com/office/drawing/2014/main" id="{ADE85283-13A9-4F72-B9CA-B449C17F0692}"/>
+                </a:ext>
+              </a:extLst>
+            </p:cNvPr>
+            <p:cNvSpPr/>
+            <p:nvPr/>
+          </p:nvSpPr>
+          <p:spPr>
+            <a:xfrm>
+              <a:off x="911456" y="2405161"/>
+              <a:ext cx="2662797" cy="1074309"/>
+            </a:xfrm>
+            <a:prstGeom prst="roundRect">
+              <a:avLst/>
+            </a:prstGeom>
+            <a:noFill/>
+            <a:ln w="28575">
+              <a:solidFill>
+                <a:srgbClr val="FDDE45"/>
+              </a:solidFill>
+            </a:ln>
+          </p:spPr>
+          <p:style>
+            <a:lnRef idx="2">
+              <a:schemeClr val="accent1">
+                <a:shade val="50000"/>
+              </a:schemeClr>
+            </a:lnRef>
+            <a:fillRef idx="1">
+              <a:schemeClr val="accent1"/>
+            </a:fillRef>
+            <a:effectRef idx="0">
+              <a:schemeClr val="accent1"/>
+            </a:effectRef>
+            <a:fontRef idx="minor">
+              <a:schemeClr val="lt1"/>
+            </a:fontRef>
+          </p:style>
+          <p:txBody>
+            <a:bodyPr rtlCol="0" anchor="ctr"/>
+            <a:lstStyle/>
+            <a:p>
+              <a:pPr algn="ctr"/>
+              <a:r>
+                <a:rPr lang="ko-KR" altLang="en-US" spc="-150" dirty="0">
+                  <a:solidFill>
+                    <a:schemeClr val="tx1">
+                      <a:lumMod val="75000"/>
+                      <a:lumOff val="25000"/>
+                    </a:schemeClr>
+                  </a:solidFill>
+                  <a:latin typeface="+mj-ea"/>
+                  <a:ea typeface="+mj-ea"/>
+                </a:rPr>
+                <a:t>프로필 구성</a:t>
+              </a:r>
+              <a:endParaRPr lang="en-US" altLang="ko-KR" spc="-150" dirty="0">
+                <a:solidFill>
+                  <a:schemeClr val="tx1">
+                    <a:lumMod val="75000"/>
+                    <a:lumOff val="25000"/>
+                  </a:schemeClr>
+                </a:solidFill>
+                <a:latin typeface="+mj-ea"/>
+                <a:ea typeface="+mj-ea"/>
+              </a:endParaRPr>
+            </a:p>
+            <a:p>
+              <a:pPr algn="ctr"/>
+              <a:r>
+                <a:rPr lang="ko-KR" altLang="en-US" spc="-150" dirty="0">
+                  <a:solidFill>
+                    <a:schemeClr val="tx1">
+                      <a:lumMod val="75000"/>
+                      <a:lumOff val="25000"/>
+                    </a:schemeClr>
+                  </a:solidFill>
+                  <a:latin typeface="+mj-ea"/>
+                  <a:ea typeface="+mj-ea"/>
+                </a:rPr>
+                <a:t>데이터 시각화</a:t>
+              </a:r>
+              <a:endParaRPr lang="en-US" altLang="ko-KR" spc="-150" dirty="0">
+                <a:solidFill>
+                  <a:schemeClr val="tx1">
+                    <a:lumMod val="75000"/>
+                    <a:lumOff val="25000"/>
+                  </a:schemeClr>
+                </a:solidFill>
+                <a:latin typeface="+mj-ea"/>
+                <a:ea typeface="+mj-ea"/>
+              </a:endParaRPr>
+            </a:p>
+          </p:txBody>
+        </p:sp>
+        <p:sp>
+          <p:nvSpPr>
+            <p:cNvPr id="54" name="사각형: 둥근 모서리 53">
+              <a:extLst>
+                <a:ext uri="{FF2B5EF4-FFF2-40B4-BE49-F238E27FC236}">
+                  <a16:creationId xmlns:a16="http://schemas.microsoft.com/office/drawing/2014/main" id="{F0C9BA30-91D3-4F05-AA63-F8334DAAAFF9}"/>
+                </a:ext>
+              </a:extLst>
+            </p:cNvPr>
+            <p:cNvSpPr/>
+            <p:nvPr/>
+          </p:nvSpPr>
+          <p:spPr>
+            <a:xfrm>
+              <a:off x="935208" y="3794703"/>
+              <a:ext cx="2662796" cy="1133557"/>
+            </a:xfrm>
+            <a:prstGeom prst="roundRect">
+              <a:avLst/>
+            </a:prstGeom>
+            <a:noFill/>
+            <a:ln w="28575">
+              <a:solidFill>
+                <a:srgbClr val="FDDE45"/>
+              </a:solidFill>
+            </a:ln>
+          </p:spPr>
+          <p:style>
+            <a:lnRef idx="2">
+              <a:schemeClr val="accent1">
+                <a:shade val="50000"/>
+              </a:schemeClr>
+            </a:lnRef>
+            <a:fillRef idx="1">
+              <a:schemeClr val="accent1"/>
+            </a:fillRef>
+            <a:effectRef idx="0">
+              <a:schemeClr val="accent1"/>
+            </a:effectRef>
+            <a:fontRef idx="minor">
+              <a:schemeClr val="lt1"/>
+            </a:fontRef>
+          </p:style>
+          <p:txBody>
+            <a:bodyPr rtlCol="0" anchor="ctr"/>
+            <a:lstStyle/>
+            <a:p>
+              <a:pPr algn="ctr"/>
+              <a:r>
+                <a:rPr lang="ko-KR" altLang="en-US" spc="-150" dirty="0">
+                  <a:solidFill>
+                    <a:schemeClr val="tx1">
+                      <a:lumMod val="75000"/>
+                      <a:lumOff val="25000"/>
+                    </a:schemeClr>
+                  </a:solidFill>
+                  <a:latin typeface="+mj-ea"/>
+                  <a:ea typeface="+mj-ea"/>
+                </a:rPr>
+                <a:t>프로필 기능 구현</a:t>
+              </a:r>
+              <a:endParaRPr lang="en-US" altLang="ko-KR" spc="-150" dirty="0">
+                <a:solidFill>
+                  <a:schemeClr val="tx1">
+                    <a:lumMod val="75000"/>
+                    <a:lumOff val="25000"/>
+                  </a:schemeClr>
+                </a:solidFill>
+                <a:latin typeface="+mj-ea"/>
+                <a:ea typeface="+mj-ea"/>
+              </a:endParaRPr>
+            </a:p>
+          </p:txBody>
+        </p:sp>
+        <p:sp>
+          <p:nvSpPr>
+            <p:cNvPr id="55" name="사각형: 둥근 모서리 54">
+              <a:extLst>
+                <a:ext uri="{FF2B5EF4-FFF2-40B4-BE49-F238E27FC236}">
+                  <a16:creationId xmlns:a16="http://schemas.microsoft.com/office/drawing/2014/main" id="{BA512502-093C-44B8-B513-E9BA0B65848D}"/>
+                </a:ext>
+              </a:extLst>
+            </p:cNvPr>
+            <p:cNvSpPr/>
+            <p:nvPr/>
+          </p:nvSpPr>
+          <p:spPr>
+            <a:xfrm>
+              <a:off x="1848989" y="2207699"/>
+              <a:ext cx="832855" cy="402892"/>
+            </a:xfrm>
+            <a:prstGeom prst="roundRect">
+              <a:avLst/>
+            </a:prstGeom>
+            <a:solidFill>
+              <a:schemeClr val="accent2"/>
+            </a:solidFill>
+            <a:ln>
+              <a:solidFill>
+                <a:srgbClr val="FDDE45"/>
+              </a:solidFill>
+            </a:ln>
+          </p:spPr>
+          <p:style>
+            <a:lnRef idx="2">
+              <a:schemeClr val="accent1">
+                <a:shade val="50000"/>
+              </a:schemeClr>
+            </a:lnRef>
+            <a:fillRef idx="1">
+              <a:schemeClr val="accent1"/>
+            </a:fillRef>
+            <a:effectRef idx="0">
+              <a:schemeClr val="accent1"/>
+            </a:effectRef>
+            <a:fontRef idx="minor">
+              <a:schemeClr val="lt1"/>
+            </a:fontRef>
+          </p:style>
+          <p:txBody>
+            <a:bodyPr rtlCol="0" anchor="ctr"/>
+            <a:lstStyle/>
+            <a:p>
+              <a:pPr algn="ctr"/>
+              <a:r>
+                <a:rPr lang="en-US" altLang="ko-KR" spc="-150" dirty="0">
+                  <a:solidFill>
+                    <a:schemeClr val="tx1">
+                      <a:lumMod val="75000"/>
+                      <a:lumOff val="25000"/>
+                    </a:schemeClr>
+                  </a:solidFill>
+                  <a:latin typeface="+mj-ea"/>
+                  <a:ea typeface="+mj-ea"/>
+                </a:rPr>
+                <a:t>Front</a:t>
+              </a:r>
+              <a:endParaRPr lang="ko-KR" altLang="en-US" sz="1800" spc="-150" dirty="0">
+                <a:solidFill>
+                  <a:schemeClr val="tx1">
+                    <a:lumMod val="75000"/>
+                    <a:lumOff val="25000"/>
+                  </a:schemeClr>
+                </a:solidFill>
+                <a:latin typeface="+mj-ea"/>
+                <a:ea typeface="+mj-ea"/>
+              </a:endParaRPr>
+            </a:p>
+          </p:txBody>
+        </p:sp>
+        <p:sp>
+          <p:nvSpPr>
+            <p:cNvPr id="56" name="사각형: 둥근 모서리 55">
+              <a:extLst>
+                <a:ext uri="{FF2B5EF4-FFF2-40B4-BE49-F238E27FC236}">
+                  <a16:creationId xmlns:a16="http://schemas.microsoft.com/office/drawing/2014/main" id="{A3CC3B95-F106-41AA-9DC0-887CB93B4F7E}"/>
+                </a:ext>
+              </a:extLst>
+            </p:cNvPr>
+            <p:cNvSpPr/>
+            <p:nvPr/>
+          </p:nvSpPr>
+          <p:spPr>
+            <a:xfrm>
+              <a:off x="1847011" y="3595134"/>
+              <a:ext cx="832855" cy="402892"/>
+            </a:xfrm>
+            <a:prstGeom prst="roundRect">
+              <a:avLst/>
+            </a:prstGeom>
+            <a:solidFill>
+              <a:schemeClr val="accent2"/>
+            </a:solidFill>
+            <a:ln>
+              <a:solidFill>
+                <a:srgbClr val="FDDE45"/>
+              </a:solidFill>
+            </a:ln>
+          </p:spPr>
+          <p:style>
+            <a:lnRef idx="2">
+              <a:schemeClr val="accent1">
+                <a:shade val="50000"/>
+              </a:schemeClr>
+            </a:lnRef>
+            <a:fillRef idx="1">
+              <a:schemeClr val="accent1"/>
+            </a:fillRef>
+            <a:effectRef idx="0">
+              <a:schemeClr val="accent1"/>
+            </a:effectRef>
+            <a:fontRef idx="minor">
+              <a:schemeClr val="lt1"/>
+            </a:fontRef>
+          </p:style>
+          <p:txBody>
+            <a:bodyPr rtlCol="0" anchor="ctr"/>
+            <a:lstStyle/>
+            <a:p>
+              <a:pPr algn="ctr"/>
+              <a:r>
+                <a:rPr lang="en-US" altLang="ko-KR" spc="-150" dirty="0">
+                  <a:solidFill>
+                    <a:schemeClr val="tx1">
+                      <a:lumMod val="75000"/>
+                      <a:lumOff val="25000"/>
+                    </a:schemeClr>
+                  </a:solidFill>
+                  <a:latin typeface="+mj-ea"/>
+                  <a:ea typeface="+mj-ea"/>
+                </a:rPr>
+                <a:t>Back</a:t>
+              </a:r>
+              <a:endParaRPr lang="ko-KR" altLang="en-US" sz="1800" spc="-150" dirty="0">
+                <a:solidFill>
+                  <a:schemeClr val="tx1">
+                    <a:lumMod val="75000"/>
+                    <a:lumOff val="25000"/>
+                  </a:schemeClr>
+                </a:solidFill>
+                <a:latin typeface="+mj-ea"/>
+                <a:ea typeface="+mj-ea"/>
+              </a:endParaRPr>
+            </a:p>
+          </p:txBody>
+        </p:sp>
+        <p:sp>
+          <p:nvSpPr>
+            <p:cNvPr id="57" name="사각형: 둥근 모서리 56">
+              <a:extLst>
+                <a:ext uri="{FF2B5EF4-FFF2-40B4-BE49-F238E27FC236}">
+                  <a16:creationId xmlns:a16="http://schemas.microsoft.com/office/drawing/2014/main" id="{232A49ED-6FAF-44D0-96E4-D311132969EC}"/>
+                </a:ext>
+              </a:extLst>
+            </p:cNvPr>
+            <p:cNvSpPr/>
+            <p:nvPr/>
+          </p:nvSpPr>
+          <p:spPr>
+            <a:xfrm>
+              <a:off x="921354" y="5229638"/>
+              <a:ext cx="2662796" cy="1133557"/>
+            </a:xfrm>
+            <a:prstGeom prst="roundRect">
+              <a:avLst/>
+            </a:prstGeom>
+            <a:noFill/>
+            <a:ln w="28575">
+              <a:solidFill>
+                <a:srgbClr val="FDDE45"/>
+              </a:solidFill>
+            </a:ln>
+          </p:spPr>
+          <p:style>
+            <a:lnRef idx="2">
+              <a:schemeClr val="accent1">
+                <a:shade val="50000"/>
+              </a:schemeClr>
+            </a:lnRef>
+            <a:fillRef idx="1">
+              <a:schemeClr val="accent1"/>
+            </a:fillRef>
+            <a:effectRef idx="0">
+              <a:schemeClr val="accent1"/>
+            </a:effectRef>
+            <a:fontRef idx="minor">
+              <a:schemeClr val="lt1"/>
+            </a:fontRef>
+          </p:style>
+          <p:txBody>
+            <a:bodyPr rtlCol="0" anchor="ctr"/>
+            <a:lstStyle/>
+            <a:p>
+              <a:pPr algn="ctr"/>
+              <a:r>
+                <a:rPr lang="ko-KR" altLang="en-US" spc="-150" dirty="0">
+                  <a:solidFill>
+                    <a:schemeClr val="tx1">
+                      <a:lumMod val="75000"/>
+                      <a:lumOff val="25000"/>
+                    </a:schemeClr>
+                  </a:solidFill>
+                  <a:latin typeface="+mj-ea"/>
+                  <a:ea typeface="+mj-ea"/>
+                </a:rPr>
+                <a:t>성능 평가 및</a:t>
+              </a:r>
+              <a:endParaRPr lang="en-US" altLang="ko-KR" spc="-150" dirty="0">
+                <a:solidFill>
+                  <a:schemeClr val="tx1">
+                    <a:lumMod val="75000"/>
+                    <a:lumOff val="25000"/>
+                  </a:schemeClr>
+                </a:solidFill>
+                <a:latin typeface="+mj-ea"/>
+                <a:ea typeface="+mj-ea"/>
+              </a:endParaRPr>
+            </a:p>
+            <a:p>
+              <a:pPr algn="ctr"/>
+              <a:r>
+                <a:rPr lang="ko-KR" altLang="en-US" spc="-150" dirty="0">
+                  <a:solidFill>
+                    <a:schemeClr val="tx1">
+                      <a:lumMod val="75000"/>
+                      <a:lumOff val="25000"/>
+                    </a:schemeClr>
+                  </a:solidFill>
+                  <a:latin typeface="+mj-ea"/>
+                  <a:ea typeface="+mj-ea"/>
+                </a:rPr>
+                <a:t>알고리즘 수정</a:t>
+              </a:r>
+              <a:endParaRPr lang="en-US" altLang="ko-KR" spc="-150" dirty="0">
+                <a:solidFill>
+                  <a:schemeClr val="tx1">
+                    <a:lumMod val="75000"/>
+                    <a:lumOff val="25000"/>
+                  </a:schemeClr>
+                </a:solidFill>
+                <a:latin typeface="+mj-ea"/>
+                <a:ea typeface="+mj-ea"/>
+              </a:endParaRPr>
+            </a:p>
+          </p:txBody>
+        </p:sp>
+        <p:sp>
+          <p:nvSpPr>
+            <p:cNvPr id="58" name="사각형: 둥근 모서리 57">
+              <a:extLst>
+                <a:ext uri="{FF2B5EF4-FFF2-40B4-BE49-F238E27FC236}">
+                  <a16:creationId xmlns:a16="http://schemas.microsoft.com/office/drawing/2014/main" id="{C4391D76-DEB8-4607-B1CD-AD46B1133AAA}"/>
+                </a:ext>
+              </a:extLst>
+            </p:cNvPr>
+            <p:cNvSpPr/>
+            <p:nvPr/>
+          </p:nvSpPr>
+          <p:spPr>
+            <a:xfrm>
+              <a:off x="1833157" y="5030069"/>
+              <a:ext cx="832855" cy="402892"/>
+            </a:xfrm>
+            <a:prstGeom prst="roundRect">
+              <a:avLst/>
+            </a:prstGeom>
+            <a:solidFill>
+              <a:schemeClr val="accent2"/>
+            </a:solidFill>
+            <a:ln>
+              <a:solidFill>
+                <a:srgbClr val="FDDE45"/>
+              </a:solidFill>
+            </a:ln>
+          </p:spPr>
+          <p:style>
+            <a:lnRef idx="2">
+              <a:schemeClr val="accent1">
+                <a:shade val="50000"/>
+              </a:schemeClr>
+            </a:lnRef>
+            <a:fillRef idx="1">
+              <a:schemeClr val="accent1"/>
+            </a:fillRef>
+            <a:effectRef idx="0">
+              <a:schemeClr val="accent1"/>
+            </a:effectRef>
+            <a:fontRef idx="minor">
+              <a:schemeClr val="lt1"/>
+            </a:fontRef>
+          </p:style>
+          <p:txBody>
+            <a:bodyPr rtlCol="0" anchor="ctr"/>
+            <a:lstStyle/>
+            <a:p>
+              <a:pPr algn="ctr"/>
+              <a:r>
+                <a:rPr lang="en-US" altLang="ko-KR" spc="-150" dirty="0">
+                  <a:solidFill>
+                    <a:schemeClr val="tx1">
+                      <a:lumMod val="75000"/>
+                      <a:lumOff val="25000"/>
+                    </a:schemeClr>
+                  </a:solidFill>
+                  <a:latin typeface="+mj-ea"/>
+                  <a:ea typeface="+mj-ea"/>
+                </a:rPr>
+                <a:t>AI</a:t>
               </a:r>
               <a:endParaRPr lang="ko-KR" altLang="en-US" sz="1800" spc="-150" dirty="0">
                 <a:solidFill>
